--- a/report/презентация павлов михаил 10-1.pptx
+++ b/report/презентация павлов михаил 10-1.pptx
@@ -13,7 +13,8 @@
     <p:sldId id="261" r:id="rId7"/>
     <p:sldId id="262" r:id="rId8"/>
     <p:sldId id="263" r:id="rId9"/>
-    <p:sldId id="264" r:id="rId10"/>
+    <p:sldId id="265" r:id="rId10"/>
+    <p:sldId id="264" r:id="rId11"/>
   </p:sldIdLst>
   <p:sldSz cx="12192000" cy="6858000"/>
   <p:notesSz cx="6858000" cy="9144000"/>
@@ -112,6 +113,11 @@
       </a:defRPr>
     </a:lvl9pPr>
   </p:defaultTextStyle>
+  <p:extLst>
+    <p:ext uri="{EFAFB233-063F-42B5-8137-9DF3F51BA10A}">
+      <p15:sldGuideLst xmlns:p15="http://schemas.microsoft.com/office/powerpoint/2012/main"/>
+    </p:ext>
+  </p:extLst>
 </p:presentation>
 </file>
 
@@ -246,7 +252,7 @@
           <a:p>
             <a:fld id="{D6A3124C-D1B8-45EF-A5B7-2A9C7C0BBC6F}" type="datetimeFigureOut">
               <a:rPr lang="ru-RU" smtClean="0"/>
-              <a:t>15.04.2021</a:t>
+              <a:t>29.04.2021</a:t>
             </a:fld>
             <a:endParaRPr lang="ru-RU"/>
           </a:p>
@@ -416,7 +422,7 @@
           <a:p>
             <a:fld id="{D6A3124C-D1B8-45EF-A5B7-2A9C7C0BBC6F}" type="datetimeFigureOut">
               <a:rPr lang="ru-RU" smtClean="0"/>
-              <a:t>15.04.2021</a:t>
+              <a:t>29.04.2021</a:t>
             </a:fld>
             <a:endParaRPr lang="ru-RU"/>
           </a:p>
@@ -596,7 +602,7 @@
           <a:p>
             <a:fld id="{D6A3124C-D1B8-45EF-A5B7-2A9C7C0BBC6F}" type="datetimeFigureOut">
               <a:rPr lang="ru-RU" smtClean="0"/>
-              <a:t>15.04.2021</a:t>
+              <a:t>29.04.2021</a:t>
             </a:fld>
             <a:endParaRPr lang="ru-RU"/>
           </a:p>
@@ -766,7 +772,7 @@
           <a:p>
             <a:fld id="{D6A3124C-D1B8-45EF-A5B7-2A9C7C0BBC6F}" type="datetimeFigureOut">
               <a:rPr lang="ru-RU" smtClean="0"/>
-              <a:t>15.04.2021</a:t>
+              <a:t>29.04.2021</a:t>
             </a:fld>
             <a:endParaRPr lang="ru-RU"/>
           </a:p>
@@ -1012,7 +1018,7 @@
           <a:p>
             <a:fld id="{D6A3124C-D1B8-45EF-A5B7-2A9C7C0BBC6F}" type="datetimeFigureOut">
               <a:rPr lang="ru-RU" smtClean="0"/>
-              <a:t>15.04.2021</a:t>
+              <a:t>29.04.2021</a:t>
             </a:fld>
             <a:endParaRPr lang="ru-RU"/>
           </a:p>
@@ -1244,7 +1250,7 @@
           <a:p>
             <a:fld id="{D6A3124C-D1B8-45EF-A5B7-2A9C7C0BBC6F}" type="datetimeFigureOut">
               <a:rPr lang="ru-RU" smtClean="0"/>
-              <a:t>15.04.2021</a:t>
+              <a:t>29.04.2021</a:t>
             </a:fld>
             <a:endParaRPr lang="ru-RU"/>
           </a:p>
@@ -1611,7 +1617,7 @@
           <a:p>
             <a:fld id="{D6A3124C-D1B8-45EF-A5B7-2A9C7C0BBC6F}" type="datetimeFigureOut">
               <a:rPr lang="ru-RU" smtClean="0"/>
-              <a:t>15.04.2021</a:t>
+              <a:t>29.04.2021</a:t>
             </a:fld>
             <a:endParaRPr lang="ru-RU"/>
           </a:p>
@@ -1729,7 +1735,7 @@
           <a:p>
             <a:fld id="{D6A3124C-D1B8-45EF-A5B7-2A9C7C0BBC6F}" type="datetimeFigureOut">
               <a:rPr lang="ru-RU" smtClean="0"/>
-              <a:t>15.04.2021</a:t>
+              <a:t>29.04.2021</a:t>
             </a:fld>
             <a:endParaRPr lang="ru-RU"/>
           </a:p>
@@ -1824,7 +1830,7 @@
           <a:p>
             <a:fld id="{D6A3124C-D1B8-45EF-A5B7-2A9C7C0BBC6F}" type="datetimeFigureOut">
               <a:rPr lang="ru-RU" smtClean="0"/>
-              <a:t>15.04.2021</a:t>
+              <a:t>29.04.2021</a:t>
             </a:fld>
             <a:endParaRPr lang="ru-RU"/>
           </a:p>
@@ -2101,7 +2107,7 @@
           <a:p>
             <a:fld id="{D6A3124C-D1B8-45EF-A5B7-2A9C7C0BBC6F}" type="datetimeFigureOut">
               <a:rPr lang="ru-RU" smtClean="0"/>
-              <a:t>15.04.2021</a:t>
+              <a:t>29.04.2021</a:t>
             </a:fld>
             <a:endParaRPr lang="ru-RU"/>
           </a:p>
@@ -2354,7 +2360,7 @@
           <a:p>
             <a:fld id="{D6A3124C-D1B8-45EF-A5B7-2A9C7C0BBC6F}" type="datetimeFigureOut">
               <a:rPr lang="ru-RU" smtClean="0"/>
-              <a:t>15.04.2021</a:t>
+              <a:t>29.04.2021</a:t>
             </a:fld>
             <a:endParaRPr lang="ru-RU"/>
           </a:p>
@@ -2567,7 +2573,7 @@
           <a:p>
             <a:fld id="{D6A3124C-D1B8-45EF-A5B7-2A9C7C0BBC6F}" type="datetimeFigureOut">
               <a:rPr lang="ru-RU" smtClean="0"/>
-              <a:t>15.04.2021</a:t>
+              <a:t>29.04.2021</a:t>
             </a:fld>
             <a:endParaRPr lang="ru-RU"/>
           </a:p>
@@ -3059,6 +3065,132 @@
 </p:sld>
 </file>
 
+<file path=ppt/slides/slide10.xml><?xml version="1.0" encoding="utf-8"?>
+<p:sld xmlns:a="http://schemas.openxmlformats.org/drawingml/2006/main" xmlns:r="http://schemas.openxmlformats.org/officeDocument/2006/relationships" xmlns:p="http://schemas.openxmlformats.org/presentationml/2006/main">
+  <p:cSld>
+    <p:spTree>
+      <p:nvGrpSpPr>
+        <p:cNvPr id="1" name=""/>
+        <p:cNvGrpSpPr/>
+        <p:nvPr/>
+      </p:nvGrpSpPr>
+      <p:grpSpPr>
+        <a:xfrm>
+          <a:off x="0" y="0"/>
+          <a:ext cx="0" cy="0"/>
+          <a:chOff x="0" y="0"/>
+          <a:chExt cx="0" cy="0"/>
+        </a:xfrm>
+      </p:grpSpPr>
+      <p:sp>
+        <p:nvSpPr>
+          <p:cNvPr id="2" name="Заголовок 1"/>
+          <p:cNvSpPr>
+            <a:spLocks noGrp="1"/>
+          </p:cNvSpPr>
+          <p:nvPr>
+            <p:ph type="title"/>
+          </p:nvPr>
+        </p:nvSpPr>
+        <p:spPr>
+          <a:xfrm>
+            <a:off x="831850" y="1161534"/>
+            <a:ext cx="10515600" cy="1077870"/>
+          </a:xfrm>
+        </p:spPr>
+        <p:txBody>
+          <a:bodyPr>
+            <a:normAutofit/>
+          </a:bodyPr>
+          <a:lstStyle/>
+          <a:p>
+            <a:pPr algn="ctr"/>
+            <a:r>
+              <a:rPr lang="ru-RU" sz="6600" dirty="0" smtClean="0"/>
+              <a:t>Спасибо за внимание!</a:t>
+            </a:r>
+            <a:endParaRPr lang="ru-RU" sz="6600" dirty="0"/>
+          </a:p>
+        </p:txBody>
+      </p:sp>
+      <p:sp>
+        <p:nvSpPr>
+          <p:cNvPr id="3" name="Текст 2"/>
+          <p:cNvSpPr>
+            <a:spLocks noGrp="1"/>
+          </p:cNvSpPr>
+          <p:nvPr>
+            <p:ph type="body" idx="1"/>
+          </p:nvPr>
+        </p:nvSpPr>
+        <p:spPr>
+          <a:xfrm>
+            <a:off x="1334358" y="2859516"/>
+            <a:ext cx="4778118" cy="2214992"/>
+          </a:xfrm>
+        </p:spPr>
+        <p:txBody>
+          <a:bodyPr>
+            <a:noAutofit/>
+          </a:bodyPr>
+          <a:lstStyle/>
+          <a:p>
+            <a:r>
+              <a:rPr lang="ru-RU" sz="3200" dirty="0" smtClean="0">
+                <a:solidFill>
+                  <a:schemeClr val="tx1"/>
+                </a:solidFill>
+              </a:rPr>
+              <a:t>Презентацию подготовил </a:t>
+            </a:r>
+          </a:p>
+          <a:p>
+            <a:r>
+              <a:rPr lang="ru-RU" sz="3200" dirty="0" smtClean="0">
+                <a:solidFill>
+                  <a:schemeClr val="tx1"/>
+                </a:solidFill>
+              </a:rPr>
+              <a:t>Ученик 10-1 класса</a:t>
+            </a:r>
+          </a:p>
+          <a:p>
+            <a:r>
+              <a:rPr lang="ru-RU" sz="3200" dirty="0" smtClean="0">
+                <a:solidFill>
+                  <a:schemeClr val="tx1"/>
+                </a:solidFill>
+              </a:rPr>
+              <a:t>Павлов Михаил</a:t>
+            </a:r>
+            <a:endParaRPr lang="ru-RU" sz="3200" dirty="0">
+              <a:solidFill>
+                <a:schemeClr val="tx1"/>
+              </a:solidFill>
+            </a:endParaRPr>
+          </a:p>
+        </p:txBody>
+      </p:sp>
+    </p:spTree>
+    <p:extLst>
+      <p:ext uri="{BB962C8B-B14F-4D97-AF65-F5344CB8AC3E}">
+        <p14:creationId xmlns:p14="http://schemas.microsoft.com/office/powerpoint/2010/main" val="1458504022"/>
+      </p:ext>
+    </p:extLst>
+  </p:cSld>
+  <p:clrMapOvr>
+    <a:masterClrMapping/>
+  </p:clrMapOvr>
+  <p:timing>
+    <p:tnLst>
+      <p:par>
+        <p:cTn id="1" dur="indefinite" restart="never" nodeType="tmRoot"/>
+      </p:par>
+    </p:tnLst>
+  </p:timing>
+</p:sld>
+</file>
+
 <file path=ppt/slides/slide2.xml><?xml version="1.0" encoding="utf-8"?>
 <p:sld xmlns:a="http://schemas.openxmlformats.org/drawingml/2006/main" xmlns:r="http://schemas.openxmlformats.org/officeDocument/2006/relationships" xmlns:p="http://schemas.openxmlformats.org/presentationml/2006/main">
   <p:cSld>
@@ -3393,7 +3525,7 @@
         </p:nvSpPr>
         <p:spPr>
           <a:xfrm>
-            <a:off x="831850" y="403654"/>
+            <a:off x="551765" y="280086"/>
             <a:ext cx="10515600" cy="1811037"/>
           </a:xfrm>
         </p:spPr>
@@ -3497,6 +3629,286 @@
                 <a:schemeClr val="tx1"/>
               </a:solidFill>
             </a:endParaRPr>
+          </a:p>
+        </p:txBody>
+      </p:sp>
+      <p:sp>
+        <p:nvSpPr>
+          <p:cNvPr id="4" name="Равнобедренный треугольник 3"/>
+          <p:cNvSpPr/>
+          <p:nvPr/>
+        </p:nvSpPr>
+        <p:spPr>
+          <a:xfrm>
+            <a:off x="8946292" y="4596714"/>
+            <a:ext cx="1828800" cy="1449859"/>
+          </a:xfrm>
+          <a:prstGeom prst="triangle">
+            <a:avLst/>
+          </a:prstGeom>
+        </p:spPr>
+        <p:style>
+          <a:lnRef idx="2">
+            <a:schemeClr val="accent1">
+              <a:shade val="50000"/>
+            </a:schemeClr>
+          </a:lnRef>
+          <a:fillRef idx="1">
+            <a:schemeClr val="accent1"/>
+          </a:fillRef>
+          <a:effectRef idx="0">
+            <a:schemeClr val="accent1"/>
+          </a:effectRef>
+          <a:fontRef idx="minor">
+            <a:schemeClr val="lt1"/>
+          </a:fontRef>
+        </p:style>
+        <p:txBody>
+          <a:bodyPr rtlCol="0" anchor="ctr"/>
+          <a:lstStyle/>
+          <a:p>
+            <a:pPr algn="ctr"/>
+            <a:endParaRPr lang="ru-RU"/>
+          </a:p>
+        </p:txBody>
+      </p:sp>
+      <p:sp>
+        <p:nvSpPr>
+          <p:cNvPr id="5" name="Прямоугольник 4"/>
+          <p:cNvSpPr/>
+          <p:nvPr/>
+        </p:nvSpPr>
+        <p:spPr>
+          <a:xfrm>
+            <a:off x="8946292" y="3357330"/>
+            <a:ext cx="45719" cy="49427"/>
+          </a:xfrm>
+          <a:prstGeom prst="rect">
+            <a:avLst/>
+          </a:prstGeom>
+        </p:spPr>
+        <p:style>
+          <a:lnRef idx="2">
+            <a:schemeClr val="accent1">
+              <a:shade val="50000"/>
+            </a:schemeClr>
+          </a:lnRef>
+          <a:fillRef idx="1">
+            <a:schemeClr val="accent1"/>
+          </a:fillRef>
+          <a:effectRef idx="0">
+            <a:schemeClr val="accent1"/>
+          </a:effectRef>
+          <a:fontRef idx="minor">
+            <a:schemeClr val="lt1"/>
+          </a:fontRef>
+        </p:style>
+        <p:txBody>
+          <a:bodyPr rtlCol="0" anchor="ctr"/>
+          <a:lstStyle/>
+          <a:p>
+            <a:pPr algn="ctr"/>
+            <a:endParaRPr lang="ru-RU"/>
+          </a:p>
+        </p:txBody>
+      </p:sp>
+      <p:sp>
+        <p:nvSpPr>
+          <p:cNvPr id="6" name="Прямоугольник 5"/>
+          <p:cNvSpPr/>
+          <p:nvPr/>
+        </p:nvSpPr>
+        <p:spPr>
+          <a:xfrm>
+            <a:off x="9837832" y="2177890"/>
+            <a:ext cx="45719" cy="45719"/>
+          </a:xfrm>
+          <a:prstGeom prst="rect">
+            <a:avLst/>
+          </a:prstGeom>
+        </p:spPr>
+        <p:style>
+          <a:lnRef idx="2">
+            <a:schemeClr val="accent1">
+              <a:shade val="50000"/>
+            </a:schemeClr>
+          </a:lnRef>
+          <a:fillRef idx="1">
+            <a:schemeClr val="accent1"/>
+          </a:fillRef>
+          <a:effectRef idx="0">
+            <a:schemeClr val="accent1"/>
+          </a:effectRef>
+          <a:fontRef idx="minor">
+            <a:schemeClr val="lt1"/>
+          </a:fontRef>
+        </p:style>
+        <p:txBody>
+          <a:bodyPr rtlCol="0" anchor="ctr"/>
+          <a:lstStyle/>
+          <a:p>
+            <a:pPr algn="ctr"/>
+            <a:endParaRPr lang="ru-RU"/>
+          </a:p>
+        </p:txBody>
+      </p:sp>
+      <p:sp>
+        <p:nvSpPr>
+          <p:cNvPr id="7" name="Прямоугольник 6"/>
+          <p:cNvSpPr/>
+          <p:nvPr/>
+        </p:nvSpPr>
+        <p:spPr>
+          <a:xfrm flipH="1">
+            <a:off x="10729373" y="3361038"/>
+            <a:ext cx="45719" cy="45719"/>
+          </a:xfrm>
+          <a:prstGeom prst="rect">
+            <a:avLst/>
+          </a:prstGeom>
+        </p:spPr>
+        <p:style>
+          <a:lnRef idx="2">
+            <a:schemeClr val="accent1">
+              <a:shade val="50000"/>
+            </a:schemeClr>
+          </a:lnRef>
+          <a:fillRef idx="1">
+            <a:schemeClr val="accent1"/>
+          </a:fillRef>
+          <a:effectRef idx="0">
+            <a:schemeClr val="accent1"/>
+          </a:effectRef>
+          <a:fontRef idx="minor">
+            <a:schemeClr val="lt1"/>
+          </a:fontRef>
+        </p:style>
+        <p:txBody>
+          <a:bodyPr rtlCol="0" anchor="ctr"/>
+          <a:lstStyle/>
+          <a:p>
+            <a:pPr algn="ctr"/>
+            <a:endParaRPr lang="ru-RU"/>
+          </a:p>
+        </p:txBody>
+      </p:sp>
+      <p:sp>
+        <p:nvSpPr>
+          <p:cNvPr id="9" name="Стрелка вниз 8"/>
+          <p:cNvSpPr/>
+          <p:nvPr/>
+        </p:nvSpPr>
+        <p:spPr>
+          <a:xfrm>
+            <a:off x="9733004" y="3754601"/>
+            <a:ext cx="255373" cy="494270"/>
+          </a:xfrm>
+          <a:prstGeom prst="downArrow">
+            <a:avLst/>
+          </a:prstGeom>
+        </p:spPr>
+        <p:style>
+          <a:lnRef idx="2">
+            <a:schemeClr val="accent1">
+              <a:shade val="50000"/>
+            </a:schemeClr>
+          </a:lnRef>
+          <a:fillRef idx="1">
+            <a:schemeClr val="accent1"/>
+          </a:fillRef>
+          <a:effectRef idx="0">
+            <a:schemeClr val="accent1"/>
+          </a:effectRef>
+          <a:fontRef idx="minor">
+            <a:schemeClr val="lt1"/>
+          </a:fontRef>
+        </p:style>
+        <p:txBody>
+          <a:bodyPr rtlCol="0" anchor="ctr"/>
+          <a:lstStyle/>
+          <a:p>
+            <a:pPr algn="ctr"/>
+            <a:endParaRPr lang="ru-RU"/>
+          </a:p>
+        </p:txBody>
+      </p:sp>
+      <p:sp>
+        <p:nvSpPr>
+          <p:cNvPr id="10" name="Прямоугольник 9"/>
+          <p:cNvSpPr/>
+          <p:nvPr/>
+        </p:nvSpPr>
+        <p:spPr>
+          <a:xfrm>
+            <a:off x="9078097" y="2570205"/>
+            <a:ext cx="45719" cy="45719"/>
+          </a:xfrm>
+          <a:prstGeom prst="rect">
+            <a:avLst/>
+          </a:prstGeom>
+        </p:spPr>
+        <p:style>
+          <a:lnRef idx="2">
+            <a:schemeClr val="accent1">
+              <a:shade val="50000"/>
+            </a:schemeClr>
+          </a:lnRef>
+          <a:fillRef idx="1">
+            <a:schemeClr val="accent1"/>
+          </a:fillRef>
+          <a:effectRef idx="0">
+            <a:schemeClr val="accent1"/>
+          </a:effectRef>
+          <a:fontRef idx="minor">
+            <a:schemeClr val="lt1"/>
+          </a:fontRef>
+        </p:style>
+        <p:txBody>
+          <a:bodyPr rtlCol="0" anchor="ctr"/>
+          <a:lstStyle/>
+          <a:p>
+            <a:pPr algn="ctr"/>
+            <a:endParaRPr lang="ru-RU"/>
+          </a:p>
+        </p:txBody>
+      </p:sp>
+      <p:sp>
+        <p:nvSpPr>
+          <p:cNvPr id="11" name="Прямоугольник 10"/>
+          <p:cNvSpPr/>
+          <p:nvPr/>
+        </p:nvSpPr>
+        <p:spPr>
+          <a:xfrm>
+            <a:off x="8798011" y="2421924"/>
+            <a:ext cx="45719" cy="49427"/>
+          </a:xfrm>
+          <a:prstGeom prst="rect">
+            <a:avLst/>
+          </a:prstGeom>
+        </p:spPr>
+        <p:style>
+          <a:lnRef idx="2">
+            <a:schemeClr val="accent1">
+              <a:shade val="50000"/>
+            </a:schemeClr>
+          </a:lnRef>
+          <a:fillRef idx="1">
+            <a:schemeClr val="accent1"/>
+          </a:fillRef>
+          <a:effectRef idx="0">
+            <a:schemeClr val="accent1"/>
+          </a:effectRef>
+          <a:fontRef idx="minor">
+            <a:schemeClr val="lt1"/>
+          </a:fontRef>
+        </p:style>
+        <p:txBody>
+          <a:bodyPr rtlCol="0" anchor="ctr"/>
+          <a:lstStyle/>
+          <a:p>
+            <a:pPr algn="ctr"/>
+            <a:endParaRPr lang="ru-RU"/>
           </a:p>
         </p:txBody>
       </p:sp>
@@ -5154,23 +5566,7 @@
                   <a:schemeClr val="tx1"/>
                 </a:solidFill>
               </a:rPr>
-              <a:t> – про</a:t>
-            </a:r>
-            <a:r>
-              <a:rPr lang="ru-RU" dirty="0" smtClean="0">
-                <a:solidFill>
-                  <a:schemeClr val="tx1"/>
-                </a:solidFill>
-              </a:rPr>
-              <a:t>е</a:t>
-            </a:r>
-            <a:r>
-              <a:rPr lang="ru-RU" dirty="0" smtClean="0">
-                <a:solidFill>
-                  <a:schemeClr val="tx1"/>
-                </a:solidFill>
-              </a:rPr>
-              <a:t>кция </a:t>
+              <a:t> – проекция </a:t>
             </a:r>
             <a:r>
               <a:rPr lang="en-US" dirty="0" smtClean="0">
@@ -5371,6 +5767,13 @@
   <p:clrMapOvr>
     <a:masterClrMapping/>
   </p:clrMapOvr>
+  <p:timing>
+    <p:tnLst>
+      <p:par>
+        <p:cTn id="1" dur="indefinite" restart="never" nodeType="tmRoot"/>
+      </p:par>
+    </p:tnLst>
+  </p:timing>
 </p:sld>
 </file>
 
@@ -5649,6 +6052,13 @@
   <p:clrMapOvr>
     <a:masterClrMapping/>
   </p:clrMapOvr>
+  <p:timing>
+    <p:tnLst>
+      <p:par>
+        <p:cTn id="1" dur="indefinite" restart="never" nodeType="tmRoot"/>
+      </p:par>
+    </p:tnLst>
+  </p:timing>
 </p:sld>
 </file>
 
@@ -5922,6 +6332,13 @@
   <p:clrMapOvr>
     <a:masterClrMapping/>
   </p:clrMapOvr>
+  <p:timing>
+    <p:tnLst>
+      <p:par>
+        <p:cTn id="1" dur="indefinite" restart="never" nodeType="tmRoot"/>
+      </p:par>
+    </p:tnLst>
+  </p:timing>
 </p:sld>
 </file>
 
@@ -5949,44 +6366,41 @@
             <a:spLocks noGrp="1"/>
           </p:cNvSpPr>
           <p:nvPr>
-            <p:ph type="title"/>
+            <p:ph type="ctrTitle"/>
           </p:nvPr>
         </p:nvSpPr>
         <p:spPr>
           <a:xfrm>
-            <a:off x="831850" y="1161534"/>
-            <a:ext cx="10515600" cy="1077870"/>
+            <a:off x="1524000" y="455098"/>
+            <a:ext cx="9144000" cy="1060664"/>
           </a:xfrm>
         </p:spPr>
         <p:txBody>
-          <a:bodyPr>
-            <a:normAutofit/>
-          </a:bodyPr>
-          <a:lstStyle/>
-          <a:p>
-            <a:pPr algn="ctr"/>
-            <a:r>
-              <a:rPr lang="ru-RU" sz="6600" dirty="0" smtClean="0"/>
-              <a:t>Спасибо за внимание!</a:t>
-            </a:r>
-            <a:endParaRPr lang="ru-RU" sz="6600" dirty="0"/>
-          </a:p>
-        </p:txBody>
-      </p:sp>
-      <p:sp>
-        <p:nvSpPr>
-          <p:cNvPr id="3" name="Текст 2"/>
-          <p:cNvSpPr>
-            <a:spLocks noGrp="1"/>
-          </p:cNvSpPr>
-          <p:nvPr>
-            <p:ph type="body" idx="1"/>
+          <a:bodyPr/>
+          <a:lstStyle/>
+          <a:p>
+            <a:r>
+              <a:rPr lang="ru-RU" dirty="0" smtClean="0"/>
+              <a:t>Возникшие затруднения</a:t>
+            </a:r>
+            <a:endParaRPr lang="ru-RU" dirty="0"/>
+          </a:p>
+        </p:txBody>
+      </p:sp>
+      <p:sp>
+        <p:nvSpPr>
+          <p:cNvPr id="3" name="Подзаголовок 2"/>
+          <p:cNvSpPr>
+            <a:spLocks noGrp="1"/>
+          </p:cNvSpPr>
+          <p:nvPr>
+            <p:ph type="subTitle" idx="1"/>
           </p:nvPr>
         </p:nvSpPr>
         <p:spPr>
           <a:xfrm>
-            <a:off x="1334358" y="2859516"/>
-            <a:ext cx="4778118" cy="2214992"/>
+            <a:off x="1524000" y="2644346"/>
+            <a:ext cx="5972432" cy="2613454"/>
           </a:xfrm>
         </p:spPr>
         <p:txBody>
@@ -5995,46 +6409,19 @@
           </a:bodyPr>
           <a:lstStyle/>
           <a:p>
-            <a:r>
-              <a:rPr lang="ru-RU" sz="3200" dirty="0" smtClean="0">
-                <a:solidFill>
-                  <a:schemeClr val="tx1"/>
-                </a:solidFill>
-              </a:rPr>
-              <a:t>Презентацию подготовил </a:t>
-            </a:r>
-          </a:p>
-          <a:p>
-            <a:r>
-              <a:rPr lang="ru-RU" sz="3200" dirty="0" smtClean="0">
-                <a:solidFill>
-                  <a:schemeClr val="tx1"/>
-                </a:solidFill>
-              </a:rPr>
-              <a:t>Ученик 10-1 класса</a:t>
-            </a:r>
-          </a:p>
-          <a:p>
-            <a:r>
-              <a:rPr lang="ru-RU" sz="3200" dirty="0" smtClean="0">
-                <a:solidFill>
-                  <a:schemeClr val="tx1"/>
-                </a:solidFill>
-              </a:rPr>
-              <a:t>Павлов Михаил</a:t>
-            </a:r>
-            <a:endParaRPr lang="ru-RU" sz="3200" dirty="0">
-              <a:solidFill>
-                <a:schemeClr val="tx1"/>
-              </a:solidFill>
-            </a:endParaRPr>
+            <a:pPr algn="l"/>
+            <a:r>
+              <a:rPr lang="ru-RU" sz="3600" dirty="0" smtClean="0"/>
+              <a:t>Затруднения возникли при переборе всех троек точек и при выводе ответа на экран</a:t>
+            </a:r>
+            <a:endParaRPr lang="ru-RU" sz="3600" dirty="0"/>
           </a:p>
         </p:txBody>
       </p:sp>
     </p:spTree>
     <p:extLst>
       <p:ext uri="{BB962C8B-B14F-4D97-AF65-F5344CB8AC3E}">
-        <p14:creationId xmlns:p14="http://schemas.microsoft.com/office/powerpoint/2010/main" val="1458504022"/>
+        <p14:creationId xmlns:p14="http://schemas.microsoft.com/office/powerpoint/2010/main" val="1168982281"/>
       </p:ext>
     </p:extLst>
   </p:cSld>
